--- a/OJT_1/OJT_#1_정희영_v0.5.pptx
+++ b/OJT_1/OJT_#1_정희영_v0.5.pptx
@@ -477,7 +477,7 @@
             <a:fld id="{0524B790-CFF6-4EAB-9331-9A7867430A68}" type="datetimeFigureOut">
               <a:rPr lang="ko-KR" altLang="en-US" smtClean="0"/>
               <a:pPr/>
-              <a:t>2023-10-20</a:t>
+              <a:t>2023-10-26</a:t>
             </a:fld>
             <a:endParaRPr lang="ko-KR" altLang="en-US"/>
           </a:p>
@@ -4043,255 +4043,6 @@
           </p:txBody>
         </p:sp>
       </p:grpSp>
-      <p:sp>
-        <p:nvSpPr>
-          <p:cNvPr id="17" name="TextBox 16">
-            <a:extLst>
-              <a:ext uri="{FF2B5EF4-FFF2-40B4-BE49-F238E27FC236}">
-                <a16:creationId xmlns:a16="http://schemas.microsoft.com/office/drawing/2014/main" id="{8C17D34A-24DC-BD89-1985-6B61A88C6661}"/>
-              </a:ext>
-            </a:extLst>
-          </p:cNvPr>
-          <p:cNvSpPr txBox="1"/>
-          <p:nvPr/>
-        </p:nvSpPr>
-        <p:spPr>
-          <a:xfrm>
-            <a:off x="720001" y="6588000"/>
-            <a:ext cx="9186000" cy="215444"/>
-          </a:xfrm>
-          <a:prstGeom prst="rect">
-            <a:avLst/>
-          </a:prstGeom>
-          <a:noFill/>
-        </p:spPr>
-        <p:txBody>
-          <a:bodyPr wrap="square" rtlCol="0">
-            <a:spAutoFit/>
-          </a:bodyPr>
-          <a:lstStyle/>
-          <a:p>
-            <a:r>
-              <a:rPr lang="ko-KR" altLang="en-US" sz="800" b="1" dirty="0">
-                <a:ln>
-                  <a:solidFill>
-                    <a:schemeClr val="bg1">
-                      <a:alpha val="10000"/>
-                    </a:schemeClr>
-                  </a:solidFill>
-                </a:ln>
-                <a:solidFill>
-                  <a:srgbClr val="A6A6A6"/>
-                </a:solidFill>
-                <a:latin typeface="+mn-ea"/>
-                <a:ea typeface="+mn-ea"/>
-              </a:rPr>
-              <a:t>과제요약</a:t>
-            </a:r>
-            <a:r>
-              <a:rPr lang="en-US" altLang="ko-KR" sz="800" b="1" dirty="0">
-                <a:ln>
-                  <a:solidFill>
-                    <a:schemeClr val="bg1">
-                      <a:alpha val="10000"/>
-                    </a:schemeClr>
-                  </a:solidFill>
-                </a:ln>
-                <a:solidFill>
-                  <a:srgbClr val="0099FF"/>
-                </a:solidFill>
-                <a:latin typeface="+mn-ea"/>
-                <a:ea typeface="+mn-ea"/>
-              </a:rPr>
-              <a:t>   </a:t>
-            </a:r>
-            <a:r>
-              <a:rPr lang="en-US" altLang="ko-KR" sz="800" b="1" dirty="0">
-                <a:ln>
-                  <a:solidFill>
-                    <a:schemeClr val="bg1">
-                      <a:alpha val="10000"/>
-                    </a:schemeClr>
-                  </a:solidFill>
-                </a:ln>
-                <a:solidFill>
-                  <a:schemeClr val="bg1">
-                    <a:lumMod val="65000"/>
-                  </a:schemeClr>
-                </a:solidFill>
-                <a:latin typeface="+mn-ea"/>
-                <a:ea typeface="+mn-ea"/>
-              </a:rPr>
-              <a:t>|   </a:t>
-            </a:r>
-            <a:r>
-              <a:rPr lang="ko-KR" altLang="en-US" sz="800" b="1" dirty="0">
-                <a:ln>
-                  <a:solidFill>
-                    <a:schemeClr val="bg1">
-                      <a:alpha val="10000"/>
-                    </a:schemeClr>
-                  </a:solidFill>
-                </a:ln>
-                <a:solidFill>
-                  <a:schemeClr val="bg1">
-                    <a:lumMod val="65000"/>
-                  </a:schemeClr>
-                </a:solidFill>
-                <a:latin typeface="+mn-ea"/>
-                <a:ea typeface="+mn-ea"/>
-              </a:rPr>
-              <a:t>실행결과</a:t>
-            </a:r>
-            <a:r>
-              <a:rPr lang="en-US" altLang="ko-KR" sz="800" b="1" dirty="0">
-                <a:ln>
-                  <a:solidFill>
-                    <a:schemeClr val="bg1">
-                      <a:alpha val="10000"/>
-                    </a:schemeClr>
-                  </a:solidFill>
-                </a:ln>
-                <a:solidFill>
-                  <a:schemeClr val="bg1">
-                    <a:lumMod val="65000"/>
-                  </a:schemeClr>
-                </a:solidFill>
-                <a:latin typeface="+mn-ea"/>
-                <a:ea typeface="+mn-ea"/>
-              </a:rPr>
-              <a:t>   |   </a:t>
-            </a:r>
-            <a:r>
-              <a:rPr lang="ko-KR" altLang="en-US" sz="800" b="1" dirty="0">
-                <a:ln>
-                  <a:solidFill>
-                    <a:schemeClr val="bg1">
-                      <a:alpha val="10000"/>
-                    </a:schemeClr>
-                  </a:solidFill>
-                </a:ln>
-                <a:solidFill>
-                  <a:srgbClr val="13A1FF"/>
-                </a:solidFill>
-                <a:latin typeface="+mn-ea"/>
-                <a:ea typeface="+mn-ea"/>
-              </a:rPr>
-              <a:t>핵심소스</a:t>
-            </a:r>
-            <a:r>
-              <a:rPr lang="en-US" altLang="ko-KR" sz="800" b="1" dirty="0">
-                <a:ln>
-                  <a:solidFill>
-                    <a:schemeClr val="bg1">
-                      <a:alpha val="10000"/>
-                    </a:schemeClr>
-                  </a:solidFill>
-                </a:ln>
-                <a:solidFill>
-                  <a:schemeClr val="bg1">
-                    <a:lumMod val="65000"/>
-                  </a:schemeClr>
-                </a:solidFill>
-                <a:latin typeface="+mn-ea"/>
-                <a:ea typeface="+mn-ea"/>
-              </a:rPr>
-              <a:t>   |   </a:t>
-            </a:r>
-            <a:r>
-              <a:rPr lang="ko-KR" altLang="en-US" sz="800" b="1" dirty="0">
-                <a:ln>
-                  <a:solidFill>
-                    <a:schemeClr val="bg1">
-                      <a:alpha val="10000"/>
-                    </a:schemeClr>
-                  </a:solidFill>
-                </a:ln>
-                <a:solidFill>
-                  <a:schemeClr val="bg1">
-                    <a:lumMod val="65000"/>
-                  </a:schemeClr>
-                </a:solidFill>
-                <a:latin typeface="+mn-ea"/>
-              </a:rPr>
-              <a:t>학습</a:t>
-            </a:r>
-            <a:r>
-              <a:rPr lang="ko-KR" altLang="en-US" sz="800" b="1" dirty="0">
-                <a:ln>
-                  <a:solidFill>
-                    <a:schemeClr val="bg1">
-                      <a:alpha val="10000"/>
-                    </a:schemeClr>
-                  </a:solidFill>
-                </a:ln>
-                <a:solidFill>
-                  <a:schemeClr val="bg1">
-                    <a:lumMod val="65000"/>
-                  </a:schemeClr>
-                </a:solidFill>
-                <a:latin typeface="+mn-ea"/>
-                <a:ea typeface="+mn-ea"/>
-              </a:rPr>
-              <a:t>요약   </a:t>
-            </a:r>
-            <a:r>
-              <a:rPr lang="en-US" altLang="ko-KR" sz="800" b="1" dirty="0">
-                <a:ln>
-                  <a:solidFill>
-                    <a:schemeClr val="bg1">
-                      <a:alpha val="10000"/>
-                    </a:schemeClr>
-                  </a:solidFill>
-                </a:ln>
-                <a:solidFill>
-                  <a:schemeClr val="bg1">
-                    <a:lumMod val="65000"/>
-                  </a:schemeClr>
-                </a:solidFill>
-                <a:latin typeface="+mn-ea"/>
-                <a:ea typeface="+mn-ea"/>
-              </a:rPr>
-              <a:t>|   </a:t>
-            </a:r>
-            <a:r>
-              <a:rPr lang="ko-KR" altLang="en-US" sz="800" b="1" dirty="0">
-                <a:ln>
-                  <a:solidFill>
-                    <a:schemeClr val="bg1">
-                      <a:alpha val="10000"/>
-                    </a:schemeClr>
-                  </a:solidFill>
-                </a:ln>
-                <a:solidFill>
-                  <a:schemeClr val="bg1">
-                    <a:lumMod val="65000"/>
-                  </a:schemeClr>
-                </a:solidFill>
-                <a:latin typeface="+mn-ea"/>
-                <a:ea typeface="+mn-ea"/>
-              </a:rPr>
-              <a:t>참    고</a:t>
-            </a:r>
-            <a:endParaRPr lang="en-US" altLang="ko-KR" sz="800" b="1" dirty="0">
-              <a:ln>
-                <a:solidFill>
-                  <a:schemeClr val="bg1">
-                    <a:alpha val="10000"/>
-                  </a:schemeClr>
-                </a:solidFill>
-              </a:ln>
-              <a:solidFill>
-                <a:schemeClr val="bg1">
-                  <a:lumMod val="65000"/>
-                </a:schemeClr>
-              </a:solidFill>
-              <a:latin typeface="+mn-ea"/>
-              <a:ea typeface="+mn-ea"/>
-            </a:endParaRPr>
-          </a:p>
-        </p:txBody>
-      </p:sp>
       <p:cxnSp>
         <p:nvCxnSpPr>
           <p:cNvPr id="20" name="직선 연결선 19">
@@ -4464,6 +4215,254 @@
           </a:fontRef>
         </p:style>
       </p:cxnSp>
+      <p:sp>
+        <p:nvSpPr>
+          <p:cNvPr id="18" name="TextBox 17">
+            <a:extLst>
+              <a:ext uri="{FF2B5EF4-FFF2-40B4-BE49-F238E27FC236}">
+                <a16:creationId xmlns:a16="http://schemas.microsoft.com/office/drawing/2014/main" id="{AA78A837-18DC-6D10-302B-2363797812A5}"/>
+              </a:ext>
+            </a:extLst>
+          </p:cNvPr>
+          <p:cNvSpPr txBox="1"/>
+          <p:nvPr/>
+        </p:nvSpPr>
+        <p:spPr>
+          <a:xfrm>
+            <a:off x="720001" y="6588000"/>
+            <a:ext cx="9186000" cy="215444"/>
+          </a:xfrm>
+          <a:prstGeom prst="rect">
+            <a:avLst/>
+          </a:prstGeom>
+          <a:noFill/>
+        </p:spPr>
+        <p:txBody>
+          <a:bodyPr wrap="square" rtlCol="0">
+            <a:spAutoFit/>
+          </a:bodyPr>
+          <a:lstStyle/>
+          <a:p>
+            <a:r>
+              <a:rPr lang="ko-KR" altLang="en-US" sz="800" b="1" dirty="0">
+                <a:ln>
+                  <a:solidFill>
+                    <a:schemeClr val="bg1">
+                      <a:alpha val="10000"/>
+                    </a:schemeClr>
+                  </a:solidFill>
+                </a:ln>
+                <a:solidFill>
+                  <a:srgbClr val="A6A6A6"/>
+                </a:solidFill>
+                <a:latin typeface="+mn-ea"/>
+                <a:ea typeface="+mn-ea"/>
+              </a:rPr>
+              <a:t>과제요약</a:t>
+            </a:r>
+            <a:r>
+              <a:rPr lang="en-US" altLang="ko-KR" sz="800" b="1" dirty="0">
+                <a:ln>
+                  <a:solidFill>
+                    <a:schemeClr val="bg1">
+                      <a:alpha val="10000"/>
+                    </a:schemeClr>
+                  </a:solidFill>
+                </a:ln>
+                <a:solidFill>
+                  <a:srgbClr val="0099FF"/>
+                </a:solidFill>
+                <a:latin typeface="+mn-ea"/>
+                <a:ea typeface="+mn-ea"/>
+              </a:rPr>
+              <a:t>   </a:t>
+            </a:r>
+            <a:r>
+              <a:rPr lang="en-US" altLang="ko-KR" sz="800" b="1" dirty="0">
+                <a:ln>
+                  <a:solidFill>
+                    <a:schemeClr val="bg1">
+                      <a:alpha val="10000"/>
+                    </a:schemeClr>
+                  </a:solidFill>
+                </a:ln>
+                <a:solidFill>
+                  <a:schemeClr val="bg1">
+                    <a:lumMod val="65000"/>
+                  </a:schemeClr>
+                </a:solidFill>
+                <a:latin typeface="+mn-ea"/>
+                <a:ea typeface="+mn-ea"/>
+              </a:rPr>
+              <a:t>|   </a:t>
+            </a:r>
+            <a:r>
+              <a:rPr lang="ko-KR" altLang="en-US" sz="800" b="1" dirty="0">
+                <a:ln>
+                  <a:solidFill>
+                    <a:schemeClr val="bg1">
+                      <a:alpha val="10000"/>
+                    </a:schemeClr>
+                  </a:solidFill>
+                </a:ln>
+                <a:solidFill>
+                  <a:schemeClr val="bg1">
+                    <a:lumMod val="65000"/>
+                  </a:schemeClr>
+                </a:solidFill>
+                <a:latin typeface="+mn-ea"/>
+                <a:ea typeface="+mn-ea"/>
+              </a:rPr>
+              <a:t>실행결과</a:t>
+            </a:r>
+            <a:r>
+              <a:rPr lang="en-US" altLang="ko-KR" sz="800" b="1" dirty="0">
+                <a:ln>
+                  <a:solidFill>
+                    <a:schemeClr val="bg1">
+                      <a:alpha val="10000"/>
+                    </a:schemeClr>
+                  </a:solidFill>
+                </a:ln>
+                <a:solidFill>
+                  <a:schemeClr val="bg1">
+                    <a:lumMod val="65000"/>
+                  </a:schemeClr>
+                </a:solidFill>
+                <a:latin typeface="+mn-ea"/>
+                <a:ea typeface="+mn-ea"/>
+              </a:rPr>
+              <a:t>   |   </a:t>
+            </a:r>
+            <a:r>
+              <a:rPr lang="ko-KR" altLang="en-US" sz="800" b="1" dirty="0">
+                <a:ln>
+                  <a:solidFill>
+                    <a:schemeClr val="bg1">
+                      <a:alpha val="10000"/>
+                    </a:schemeClr>
+                  </a:solidFill>
+                </a:ln>
+                <a:solidFill>
+                  <a:srgbClr val="A6A6A6"/>
+                </a:solidFill>
+                <a:latin typeface="+mn-ea"/>
+                <a:ea typeface="+mn-ea"/>
+              </a:rPr>
+              <a:t>핵심소스</a:t>
+            </a:r>
+            <a:r>
+              <a:rPr lang="en-US" altLang="ko-KR" sz="800" b="1" dirty="0">
+                <a:ln>
+                  <a:solidFill>
+                    <a:schemeClr val="bg1">
+                      <a:alpha val="10000"/>
+                    </a:schemeClr>
+                  </a:solidFill>
+                </a:ln>
+                <a:solidFill>
+                  <a:schemeClr val="bg1">
+                    <a:lumMod val="65000"/>
+                  </a:schemeClr>
+                </a:solidFill>
+                <a:latin typeface="+mn-ea"/>
+                <a:ea typeface="+mn-ea"/>
+              </a:rPr>
+              <a:t>   |   </a:t>
+            </a:r>
+            <a:r>
+              <a:rPr lang="ko-KR" altLang="en-US" sz="800" b="1" dirty="0">
+                <a:ln>
+                  <a:solidFill>
+                    <a:schemeClr val="bg1">
+                      <a:alpha val="10000"/>
+                    </a:schemeClr>
+                  </a:solidFill>
+                </a:ln>
+                <a:solidFill>
+                  <a:srgbClr val="13A1FF"/>
+                </a:solidFill>
+                <a:latin typeface="+mn-ea"/>
+                <a:ea typeface="+mn-ea"/>
+              </a:rPr>
+              <a:t>학습요약</a:t>
+            </a:r>
+            <a:r>
+              <a:rPr lang="ko-KR" altLang="en-US" sz="800" b="1" dirty="0">
+                <a:ln>
+                  <a:solidFill>
+                    <a:schemeClr val="bg1">
+                      <a:alpha val="10000"/>
+                    </a:schemeClr>
+                  </a:solidFill>
+                </a:ln>
+                <a:solidFill>
+                  <a:schemeClr val="bg1">
+                    <a:lumMod val="65000"/>
+                  </a:schemeClr>
+                </a:solidFill>
+                <a:latin typeface="+mn-ea"/>
+                <a:ea typeface="+mn-ea"/>
+              </a:rPr>
+              <a:t>   </a:t>
+            </a:r>
+            <a:r>
+              <a:rPr lang="en-US" altLang="ko-KR" sz="800" b="1" dirty="0">
+                <a:ln>
+                  <a:solidFill>
+                    <a:schemeClr val="bg1">
+                      <a:alpha val="10000"/>
+                    </a:schemeClr>
+                  </a:solidFill>
+                </a:ln>
+                <a:solidFill>
+                  <a:schemeClr val="bg1">
+                    <a:lumMod val="65000"/>
+                  </a:schemeClr>
+                </a:solidFill>
+                <a:latin typeface="+mn-ea"/>
+                <a:ea typeface="+mn-ea"/>
+              </a:rPr>
+              <a:t>|   </a:t>
+            </a:r>
+            <a:r>
+              <a:rPr lang="ko-KR" altLang="en-US" sz="800" b="1" dirty="0">
+                <a:ln>
+                  <a:solidFill>
+                    <a:schemeClr val="bg1">
+                      <a:alpha val="10000"/>
+                    </a:schemeClr>
+                  </a:solidFill>
+                </a:ln>
+                <a:solidFill>
+                  <a:schemeClr val="bg1">
+                    <a:lumMod val="65000"/>
+                  </a:schemeClr>
+                </a:solidFill>
+                <a:latin typeface="+mn-ea"/>
+                <a:ea typeface="+mn-ea"/>
+              </a:rPr>
+              <a:t>참    고</a:t>
+            </a:r>
+            <a:endParaRPr lang="en-US" altLang="ko-KR" sz="800" b="1" dirty="0">
+              <a:ln>
+                <a:solidFill>
+                  <a:schemeClr val="bg1">
+                    <a:alpha val="10000"/>
+                  </a:schemeClr>
+                </a:solidFill>
+              </a:ln>
+              <a:solidFill>
+                <a:schemeClr val="bg1">
+                  <a:lumMod val="65000"/>
+                </a:schemeClr>
+              </a:solidFill>
+              <a:latin typeface="+mn-ea"/>
+              <a:ea typeface="+mn-ea"/>
+            </a:endParaRPr>
+          </a:p>
+        </p:txBody>
+      </p:sp>
     </p:spTree>
     <p:extLst>
       <p:ext uri="{BB962C8B-B14F-4D97-AF65-F5344CB8AC3E}">
